--- a/belangenconflict_procedure.pptx
+++ b/belangenconflict_procedure.pptx
@@ -288,7 +288,7 @@
           <a:p>
             <a:fld id="{749DF8C6-64CD-4148-AA21-6A4A1D92C0CD}" type="datetimeFigureOut">
               <a:rPr lang="nl-BE" smtClean="0"/>
-              <a:t>26/12/2015</a:t>
+              <a:t>30/12/2015</a:t>
             </a:fld>
             <a:endParaRPr lang="nl-BE"/>
           </a:p>
@@ -458,7 +458,7 @@
           <a:p>
             <a:fld id="{749DF8C6-64CD-4148-AA21-6A4A1D92C0CD}" type="datetimeFigureOut">
               <a:rPr lang="nl-BE" smtClean="0"/>
-              <a:t>26/12/2015</a:t>
+              <a:t>30/12/2015</a:t>
             </a:fld>
             <a:endParaRPr lang="nl-BE"/>
           </a:p>
@@ -638,7 +638,7 @@
           <a:p>
             <a:fld id="{749DF8C6-64CD-4148-AA21-6A4A1D92C0CD}" type="datetimeFigureOut">
               <a:rPr lang="nl-BE" smtClean="0"/>
-              <a:t>26/12/2015</a:t>
+              <a:t>30/12/2015</a:t>
             </a:fld>
             <a:endParaRPr lang="nl-BE"/>
           </a:p>
@@ -808,7 +808,7 @@
           <a:p>
             <a:fld id="{749DF8C6-64CD-4148-AA21-6A4A1D92C0CD}" type="datetimeFigureOut">
               <a:rPr lang="nl-BE" smtClean="0"/>
-              <a:t>26/12/2015</a:t>
+              <a:t>30/12/2015</a:t>
             </a:fld>
             <a:endParaRPr lang="nl-BE"/>
           </a:p>
@@ -1054,7 +1054,7 @@
           <a:p>
             <a:fld id="{749DF8C6-64CD-4148-AA21-6A4A1D92C0CD}" type="datetimeFigureOut">
               <a:rPr lang="nl-BE" smtClean="0"/>
-              <a:t>26/12/2015</a:t>
+              <a:t>30/12/2015</a:t>
             </a:fld>
             <a:endParaRPr lang="nl-BE"/>
           </a:p>
@@ -1342,7 +1342,7 @@
           <a:p>
             <a:fld id="{749DF8C6-64CD-4148-AA21-6A4A1D92C0CD}" type="datetimeFigureOut">
               <a:rPr lang="nl-BE" smtClean="0"/>
-              <a:t>26/12/2015</a:t>
+              <a:t>30/12/2015</a:t>
             </a:fld>
             <a:endParaRPr lang="nl-BE"/>
           </a:p>
@@ -1764,7 +1764,7 @@
           <a:p>
             <a:fld id="{749DF8C6-64CD-4148-AA21-6A4A1D92C0CD}" type="datetimeFigureOut">
               <a:rPr lang="nl-BE" smtClean="0"/>
-              <a:t>26/12/2015</a:t>
+              <a:t>30/12/2015</a:t>
             </a:fld>
             <a:endParaRPr lang="nl-BE"/>
           </a:p>
@@ -1882,7 +1882,7 @@
           <a:p>
             <a:fld id="{749DF8C6-64CD-4148-AA21-6A4A1D92C0CD}" type="datetimeFigureOut">
               <a:rPr lang="nl-BE" smtClean="0"/>
-              <a:t>26/12/2015</a:t>
+              <a:t>30/12/2015</a:t>
             </a:fld>
             <a:endParaRPr lang="nl-BE"/>
           </a:p>
@@ -1977,7 +1977,7 @@
           <a:p>
             <a:fld id="{749DF8C6-64CD-4148-AA21-6A4A1D92C0CD}" type="datetimeFigureOut">
               <a:rPr lang="nl-BE" smtClean="0"/>
-              <a:t>26/12/2015</a:t>
+              <a:t>30/12/2015</a:t>
             </a:fld>
             <a:endParaRPr lang="nl-BE"/>
           </a:p>
@@ -2254,7 +2254,7 @@
           <a:p>
             <a:fld id="{749DF8C6-64CD-4148-AA21-6A4A1D92C0CD}" type="datetimeFigureOut">
               <a:rPr lang="nl-BE" smtClean="0"/>
-              <a:t>26/12/2015</a:t>
+              <a:t>30/12/2015</a:t>
             </a:fld>
             <a:endParaRPr lang="nl-BE"/>
           </a:p>
@@ -2507,7 +2507,7 @@
           <a:p>
             <a:fld id="{749DF8C6-64CD-4148-AA21-6A4A1D92C0CD}" type="datetimeFigureOut">
               <a:rPr lang="nl-BE" smtClean="0"/>
-              <a:t>26/12/2015</a:t>
+              <a:t>30/12/2015</a:t>
             </a:fld>
             <a:endParaRPr lang="nl-BE"/>
           </a:p>
@@ -2720,7 +2720,7 @@
           <a:p>
             <a:fld id="{749DF8C6-64CD-4148-AA21-6A4A1D92C0CD}" type="datetimeFigureOut">
               <a:rPr lang="nl-BE" smtClean="0"/>
-              <a:t>26/12/2015</a:t>
+              <a:t>30/12/2015</a:t>
             </a:fld>
             <a:endParaRPr lang="nl-BE"/>
           </a:p>
@@ -3103,12 +3103,20 @@
         </p:nvSpPr>
         <p:spPr>
           <a:xfrm>
-            <a:off x="323528" y="2304928"/>
-            <a:ext cx="1080120" cy="864096"/>
+            <a:off x="313435" y="2204864"/>
+            <a:ext cx="1187624" cy="1080000"/>
           </a:xfrm>
           <a:prstGeom prst="rect">
             <a:avLst/>
           </a:prstGeom>
+          <a:solidFill>
+            <a:srgbClr val="581E2D"/>
+          </a:solidFill>
+          <a:ln>
+            <a:solidFill>
+              <a:srgbClr val="581E2D"/>
+            </a:solidFill>
+          </a:ln>
         </p:spPr>
         <p:style>
           <a:lnRef idx="2">
@@ -3132,18 +3140,52 @@
           <a:p>
             <a:pPr algn="ctr"/>
             <a:r>
-              <a:rPr lang="nl-BE" sz="1400" dirty="0" smtClean="0"/>
+              <a:rPr lang="nl-BE" sz="1400" dirty="0" smtClean="0">
+                <a:solidFill>
+                  <a:srgbClr val="D8D6D8"/>
+                </a:solidFill>
+                <a:latin typeface="Arial" panose="020B0604020202020204" pitchFamily="34" charset="0"/>
+                <a:cs typeface="Arial" panose="020B0604020202020204" pitchFamily="34" charset="0"/>
+              </a:rPr>
               <a:t>Kan ‘</a:t>
             </a:r>
             <a:r>
-              <a:rPr lang="nl-BE" sz="1400" dirty="0" err="1" smtClean="0"/>
+              <a:rPr lang="nl-BE" sz="1400" dirty="0" err="1" smtClean="0">
+                <a:solidFill>
+                  <a:srgbClr val="D8D6D8"/>
+                </a:solidFill>
+                <a:latin typeface="Arial" panose="020B0604020202020204" pitchFamily="34" charset="0"/>
+                <a:cs typeface="Arial" panose="020B0604020202020204" pitchFamily="34" charset="0"/>
+              </a:rPr>
               <a:t>MiFID</a:t>
             </a:r>
             <a:r>
-              <a:rPr lang="nl-BE" sz="1400" dirty="0" smtClean="0"/>
-              <a:t>’-grondwet nageleefd?</a:t>
-            </a:r>
-            <a:endParaRPr lang="nl-BE" sz="1400" dirty="0"/>
+              <a:rPr lang="nl-BE" sz="1400" dirty="0" smtClean="0">
+                <a:solidFill>
+                  <a:srgbClr val="D8D6D8"/>
+                </a:solidFill>
+                <a:latin typeface="Arial" panose="020B0604020202020204" pitchFamily="34" charset="0"/>
+                <a:cs typeface="Arial" panose="020B0604020202020204" pitchFamily="34" charset="0"/>
+              </a:rPr>
+              <a:t>’-grondwet </a:t>
+            </a:r>
+            <a:r>
+              <a:rPr lang="nl-BE" sz="1400" dirty="0" smtClean="0">
+                <a:solidFill>
+                  <a:srgbClr val="D8D6D8"/>
+                </a:solidFill>
+                <a:latin typeface="Arial" panose="020B0604020202020204" pitchFamily="34" charset="0"/>
+                <a:cs typeface="Arial" panose="020B0604020202020204" pitchFamily="34" charset="0"/>
+              </a:rPr>
+              <a:t>nageleefd worden?</a:t>
+            </a:r>
+            <a:endParaRPr lang="nl-BE" sz="1400" dirty="0">
+              <a:solidFill>
+                <a:srgbClr val="D8D6D8"/>
+              </a:solidFill>
+              <a:latin typeface="Arial" panose="020B0604020202020204" pitchFamily="34" charset="0"/>
+              <a:cs typeface="Arial" panose="020B0604020202020204" pitchFamily="34" charset="0"/>
+            </a:endParaRPr>
           </a:p>
         </p:txBody>
       </p:sp>
@@ -3155,12 +3197,20 @@
         </p:nvSpPr>
         <p:spPr>
           <a:xfrm>
-            <a:off x="323528" y="260648"/>
-            <a:ext cx="1584176" cy="864096"/>
+            <a:off x="313435" y="310205"/>
+            <a:ext cx="1584176" cy="720000"/>
           </a:xfrm>
           <a:prstGeom prst="rect">
             <a:avLst/>
           </a:prstGeom>
+          <a:solidFill>
+            <a:srgbClr val="581E2D"/>
+          </a:solidFill>
+          <a:ln>
+            <a:solidFill>
+              <a:srgbClr val="581E2D"/>
+            </a:solidFill>
+          </a:ln>
         </p:spPr>
         <p:style>
           <a:lnRef idx="2">
@@ -3184,18 +3234,42 @@
           <a:p>
             <a:pPr algn="ctr"/>
             <a:r>
-              <a:rPr lang="nl-BE" sz="1400" dirty="0" smtClean="0"/>
+              <a:rPr lang="nl-BE" sz="1400" dirty="0" smtClean="0">
+                <a:solidFill>
+                  <a:srgbClr val="D8D6D8"/>
+                </a:solidFill>
+                <a:latin typeface="Arial" panose="020B0604020202020204" pitchFamily="34" charset="0"/>
+                <a:cs typeface="Arial" panose="020B0604020202020204" pitchFamily="34" charset="0"/>
+              </a:rPr>
               <a:t>Mogelijk </a:t>
             </a:r>
             <a:r>
-              <a:rPr lang="nl-BE" sz="1400" dirty="0" err="1" smtClean="0"/>
+              <a:rPr lang="nl-BE" sz="1400" dirty="0" err="1" smtClean="0">
+                <a:solidFill>
+                  <a:srgbClr val="D8D6D8"/>
+                </a:solidFill>
+                <a:latin typeface="Arial" panose="020B0604020202020204" pitchFamily="34" charset="0"/>
+                <a:cs typeface="Arial" panose="020B0604020202020204" pitchFamily="34" charset="0"/>
+              </a:rPr>
               <a:t>belangen-conflict</a:t>
             </a:r>
             <a:r>
-              <a:rPr lang="nl-BE" sz="1400" dirty="0" smtClean="0"/>
+              <a:rPr lang="nl-BE" sz="1400" dirty="0" smtClean="0">
+                <a:solidFill>
+                  <a:srgbClr val="D8D6D8"/>
+                </a:solidFill>
+                <a:latin typeface="Arial" panose="020B0604020202020204" pitchFamily="34" charset="0"/>
+                <a:cs typeface="Arial" panose="020B0604020202020204" pitchFamily="34" charset="0"/>
+              </a:rPr>
               <a:t> geïdentificeerd</a:t>
             </a:r>
-            <a:endParaRPr lang="nl-BE" sz="1400" dirty="0"/>
+            <a:endParaRPr lang="nl-BE" sz="1400" dirty="0">
+              <a:solidFill>
+                <a:srgbClr val="D8D6D8"/>
+              </a:solidFill>
+              <a:latin typeface="Arial" panose="020B0604020202020204" pitchFamily="34" charset="0"/>
+              <a:cs typeface="Arial" panose="020B0604020202020204" pitchFamily="34" charset="0"/>
+            </a:endParaRPr>
           </a:p>
         </p:txBody>
       </p:sp>
@@ -3207,12 +3281,20 @@
         </p:nvSpPr>
         <p:spPr>
           <a:xfrm>
-            <a:off x="1763688" y="1851703"/>
-            <a:ext cx="1080120" cy="864096"/>
+            <a:off x="1769513" y="1556792"/>
+            <a:ext cx="900000" cy="720000"/>
           </a:xfrm>
           <a:prstGeom prst="rect">
             <a:avLst/>
           </a:prstGeom>
+          <a:solidFill>
+            <a:srgbClr val="581E2D"/>
+          </a:solidFill>
+          <a:ln>
+            <a:solidFill>
+              <a:srgbClr val="581E2D"/>
+            </a:solidFill>
+          </a:ln>
         </p:spPr>
         <p:style>
           <a:lnRef idx="2">
@@ -3236,10 +3318,22 @@
           <a:p>
             <a:pPr algn="ctr"/>
             <a:r>
-              <a:rPr lang="nl-BE" sz="1400" dirty="0" smtClean="0"/>
+              <a:rPr lang="nl-BE" sz="1400" dirty="0" smtClean="0">
+                <a:solidFill>
+                  <a:srgbClr val="D8D6D8"/>
+                </a:solidFill>
+                <a:latin typeface="Arial" panose="020B0604020202020204" pitchFamily="34" charset="0"/>
+                <a:cs typeface="Arial" panose="020B0604020202020204" pitchFamily="34" charset="0"/>
+              </a:rPr>
               <a:t>Nee</a:t>
             </a:r>
-            <a:endParaRPr lang="nl-BE" sz="1400" dirty="0"/>
+            <a:endParaRPr lang="nl-BE" sz="1400" dirty="0">
+              <a:solidFill>
+                <a:srgbClr val="D8D6D8"/>
+              </a:solidFill>
+              <a:latin typeface="Arial" panose="020B0604020202020204" pitchFamily="34" charset="0"/>
+              <a:cs typeface="Arial" panose="020B0604020202020204" pitchFamily="34" charset="0"/>
+            </a:endParaRPr>
           </a:p>
         </p:txBody>
       </p:sp>
@@ -3251,12 +3345,20 @@
         </p:nvSpPr>
         <p:spPr>
           <a:xfrm>
-            <a:off x="1791562" y="3147139"/>
-            <a:ext cx="1080120" cy="864096"/>
+            <a:off x="1769513" y="3177392"/>
+            <a:ext cx="900000" cy="720000"/>
           </a:xfrm>
           <a:prstGeom prst="rect">
             <a:avLst/>
           </a:prstGeom>
+          <a:solidFill>
+            <a:srgbClr val="581E2D"/>
+          </a:solidFill>
+          <a:ln>
+            <a:solidFill>
+              <a:srgbClr val="581E2D"/>
+            </a:solidFill>
+          </a:ln>
         </p:spPr>
         <p:style>
           <a:lnRef idx="2">
@@ -3280,10 +3382,22 @@
           <a:p>
             <a:pPr algn="ctr"/>
             <a:r>
-              <a:rPr lang="nl-BE" sz="1400" dirty="0" smtClean="0"/>
+              <a:rPr lang="nl-BE" sz="1400" dirty="0" smtClean="0">
+                <a:solidFill>
+                  <a:srgbClr val="D8D6D8"/>
+                </a:solidFill>
+                <a:latin typeface="Arial" panose="020B0604020202020204" pitchFamily="34" charset="0"/>
+                <a:cs typeface="Arial" panose="020B0604020202020204" pitchFamily="34" charset="0"/>
+              </a:rPr>
               <a:t>Ja</a:t>
             </a:r>
-            <a:endParaRPr lang="nl-BE" sz="1400" dirty="0"/>
+            <a:endParaRPr lang="nl-BE" sz="1400" dirty="0">
+              <a:solidFill>
+                <a:srgbClr val="D8D6D8"/>
+              </a:solidFill>
+              <a:latin typeface="Arial" panose="020B0604020202020204" pitchFamily="34" charset="0"/>
+              <a:cs typeface="Arial" panose="020B0604020202020204" pitchFamily="34" charset="0"/>
+            </a:endParaRPr>
           </a:p>
         </p:txBody>
       </p:sp>
@@ -3295,12 +3409,20 @@
         </p:nvSpPr>
         <p:spPr>
           <a:xfrm>
-            <a:off x="3407024" y="1851703"/>
-            <a:ext cx="1368152" cy="864096"/>
+            <a:off x="2952080" y="1556792"/>
+            <a:ext cx="1481725" cy="720000"/>
           </a:xfrm>
           <a:prstGeom prst="rect">
             <a:avLst/>
           </a:prstGeom>
+          <a:solidFill>
+            <a:srgbClr val="581E2D"/>
+          </a:solidFill>
+          <a:ln>
+            <a:solidFill>
+              <a:srgbClr val="581E2D"/>
+            </a:solidFill>
+          </a:ln>
         </p:spPr>
         <p:style>
           <a:lnRef idx="2">
@@ -3324,10 +3446,22 @@
           <a:p>
             <a:pPr algn="ctr"/>
             <a:r>
-              <a:rPr lang="nl-BE" sz="1400" dirty="0" smtClean="0"/>
+              <a:rPr lang="nl-BE" sz="1400" dirty="0" smtClean="0">
+                <a:solidFill>
+                  <a:srgbClr val="D8D6D8"/>
+                </a:solidFill>
+                <a:latin typeface="Arial" panose="020B0604020202020204" pitchFamily="34" charset="0"/>
+                <a:cs typeface="Arial" panose="020B0604020202020204" pitchFamily="34" charset="0"/>
+              </a:rPr>
               <a:t>Geen dienstverlening</a:t>
             </a:r>
-            <a:endParaRPr lang="nl-BE" sz="1400" dirty="0"/>
+            <a:endParaRPr lang="nl-BE" sz="1400" dirty="0">
+              <a:solidFill>
+                <a:srgbClr val="D8D6D8"/>
+              </a:solidFill>
+              <a:latin typeface="Arial" panose="020B0604020202020204" pitchFamily="34" charset="0"/>
+              <a:cs typeface="Arial" panose="020B0604020202020204" pitchFamily="34" charset="0"/>
+            </a:endParaRPr>
           </a:p>
         </p:txBody>
       </p:sp>
@@ -3339,12 +3473,20 @@
         </p:nvSpPr>
         <p:spPr>
           <a:xfrm>
-            <a:off x="3407024" y="3123076"/>
-            <a:ext cx="1224136" cy="864096"/>
+            <a:off x="2952080" y="3177392"/>
+            <a:ext cx="1224136" cy="720000"/>
           </a:xfrm>
           <a:prstGeom prst="rect">
             <a:avLst/>
           </a:prstGeom>
+          <a:solidFill>
+            <a:srgbClr val="581E2D"/>
+          </a:solidFill>
+          <a:ln>
+            <a:solidFill>
+              <a:srgbClr val="581E2D"/>
+            </a:solidFill>
+          </a:ln>
         </p:spPr>
         <p:style>
           <a:lnRef idx="2">
@@ -3368,10 +3510,22 @@
           <a:p>
             <a:pPr algn="ctr"/>
             <a:r>
-              <a:rPr lang="nl-BE" sz="1400" dirty="0" smtClean="0"/>
+              <a:rPr lang="nl-BE" sz="1400" dirty="0" smtClean="0">
+                <a:solidFill>
+                  <a:srgbClr val="D8D6D8"/>
+                </a:solidFill>
+                <a:latin typeface="Arial" panose="020B0604020202020204" pitchFamily="34" charset="0"/>
+                <a:cs typeface="Arial" panose="020B0604020202020204" pitchFamily="34" charset="0"/>
+              </a:rPr>
               <a:t>Volstaan maatregelen van beheer</a:t>
             </a:r>
-            <a:endParaRPr lang="nl-BE" sz="1400" dirty="0"/>
+            <a:endParaRPr lang="nl-BE" sz="1400" dirty="0">
+              <a:solidFill>
+                <a:srgbClr val="D8D6D8"/>
+              </a:solidFill>
+              <a:latin typeface="Arial" panose="020B0604020202020204" pitchFamily="34" charset="0"/>
+              <a:cs typeface="Arial" panose="020B0604020202020204" pitchFamily="34" charset="0"/>
+            </a:endParaRPr>
           </a:p>
         </p:txBody>
       </p:sp>
@@ -3383,12 +3537,20 @@
         </p:nvSpPr>
         <p:spPr>
           <a:xfrm>
-            <a:off x="5004048" y="2475804"/>
-            <a:ext cx="1080120" cy="864096"/>
+            <a:off x="4464248" y="2529240"/>
+            <a:ext cx="900000" cy="720000"/>
           </a:xfrm>
           <a:prstGeom prst="rect">
             <a:avLst/>
           </a:prstGeom>
+          <a:solidFill>
+            <a:srgbClr val="581E2D"/>
+          </a:solidFill>
+          <a:ln>
+            <a:solidFill>
+              <a:srgbClr val="581E2D"/>
+            </a:solidFill>
+          </a:ln>
         </p:spPr>
         <p:style>
           <a:lnRef idx="2">
@@ -3412,10 +3574,22 @@
           <a:p>
             <a:pPr algn="ctr"/>
             <a:r>
-              <a:rPr lang="nl-BE" sz="1400" dirty="0" smtClean="0"/>
+              <a:rPr lang="nl-BE" sz="1400" dirty="0" smtClean="0">
+                <a:solidFill>
+                  <a:srgbClr val="D8D6D8"/>
+                </a:solidFill>
+                <a:latin typeface="Arial" panose="020B0604020202020204" pitchFamily="34" charset="0"/>
+                <a:cs typeface="Arial" panose="020B0604020202020204" pitchFamily="34" charset="0"/>
+              </a:rPr>
               <a:t>Ja</a:t>
             </a:r>
-            <a:endParaRPr lang="nl-BE" sz="1400" dirty="0"/>
+            <a:endParaRPr lang="nl-BE" sz="1400" dirty="0">
+              <a:solidFill>
+                <a:srgbClr val="D8D6D8"/>
+              </a:solidFill>
+              <a:latin typeface="Arial" panose="020B0604020202020204" pitchFamily="34" charset="0"/>
+              <a:cs typeface="Arial" panose="020B0604020202020204" pitchFamily="34" charset="0"/>
+            </a:endParaRPr>
           </a:p>
         </p:txBody>
       </p:sp>
@@ -3427,12 +3601,20 @@
         </p:nvSpPr>
         <p:spPr>
           <a:xfrm>
-            <a:off x="5031922" y="3771240"/>
-            <a:ext cx="1080120" cy="864096"/>
+            <a:off x="4464248" y="3825464"/>
+            <a:ext cx="900000" cy="720000"/>
           </a:xfrm>
           <a:prstGeom prst="rect">
             <a:avLst/>
           </a:prstGeom>
+          <a:solidFill>
+            <a:srgbClr val="581E2D"/>
+          </a:solidFill>
+          <a:ln>
+            <a:solidFill>
+              <a:srgbClr val="581E2D"/>
+            </a:solidFill>
+          </a:ln>
         </p:spPr>
         <p:style>
           <a:lnRef idx="2">
@@ -3456,10 +3638,22 @@
           <a:p>
             <a:pPr algn="ctr"/>
             <a:r>
-              <a:rPr lang="nl-BE" sz="1400" dirty="0" smtClean="0"/>
+              <a:rPr lang="nl-BE" sz="1400" dirty="0" smtClean="0">
+                <a:solidFill>
+                  <a:srgbClr val="D8D6D8"/>
+                </a:solidFill>
+                <a:latin typeface="Arial" panose="020B0604020202020204" pitchFamily="34" charset="0"/>
+                <a:cs typeface="Arial" panose="020B0604020202020204" pitchFamily="34" charset="0"/>
+              </a:rPr>
               <a:t>Nee</a:t>
             </a:r>
-            <a:endParaRPr lang="nl-BE" sz="1400" dirty="0"/>
+            <a:endParaRPr lang="nl-BE" sz="1400" dirty="0">
+              <a:solidFill>
+                <a:srgbClr val="D8D6D8"/>
+              </a:solidFill>
+              <a:latin typeface="Arial" panose="020B0604020202020204" pitchFamily="34" charset="0"/>
+              <a:cs typeface="Arial" panose="020B0604020202020204" pitchFamily="34" charset="0"/>
+            </a:endParaRPr>
           </a:p>
         </p:txBody>
       </p:sp>
@@ -3471,12 +3665,20 @@
         </p:nvSpPr>
         <p:spPr>
           <a:xfrm>
-            <a:off x="6444208" y="2475804"/>
-            <a:ext cx="1080120" cy="864096"/>
+            <a:off x="5652280" y="2529240"/>
+            <a:ext cx="1440160" cy="720000"/>
           </a:xfrm>
           <a:prstGeom prst="rect">
             <a:avLst/>
           </a:prstGeom>
+          <a:solidFill>
+            <a:srgbClr val="581E2D"/>
+          </a:solidFill>
+          <a:ln>
+            <a:solidFill>
+              <a:srgbClr val="581E2D"/>
+            </a:solidFill>
+          </a:ln>
         </p:spPr>
         <p:style>
           <a:lnRef idx="2">
@@ -3500,10 +3702,22 @@
           <a:p>
             <a:pPr algn="ctr"/>
             <a:r>
-              <a:rPr lang="nl-BE" sz="1400" dirty="0" smtClean="0"/>
+              <a:rPr lang="nl-BE" sz="1400" dirty="0" smtClean="0">
+                <a:solidFill>
+                  <a:srgbClr val="D8D6D8"/>
+                </a:solidFill>
+                <a:latin typeface="Arial" panose="020B0604020202020204" pitchFamily="34" charset="0"/>
+                <a:cs typeface="Arial" panose="020B0604020202020204" pitchFamily="34" charset="0"/>
+              </a:rPr>
               <a:t>Dienstverlening</a:t>
             </a:r>
-            <a:endParaRPr lang="nl-BE" sz="1400" dirty="0"/>
+            <a:endParaRPr lang="nl-BE" sz="1400" dirty="0">
+              <a:solidFill>
+                <a:srgbClr val="D8D6D8"/>
+              </a:solidFill>
+              <a:latin typeface="Arial" panose="020B0604020202020204" pitchFamily="34" charset="0"/>
+              <a:cs typeface="Arial" panose="020B0604020202020204" pitchFamily="34" charset="0"/>
+            </a:endParaRPr>
           </a:p>
         </p:txBody>
       </p:sp>
@@ -3515,12 +3729,20 @@
         </p:nvSpPr>
         <p:spPr>
           <a:xfrm>
-            <a:off x="6471411" y="3771240"/>
-            <a:ext cx="1080120" cy="864096"/>
+            <a:off x="5652280" y="3825464"/>
+            <a:ext cx="1260000" cy="720000"/>
           </a:xfrm>
           <a:prstGeom prst="rect">
             <a:avLst/>
           </a:prstGeom>
+          <a:solidFill>
+            <a:srgbClr val="581E2D"/>
+          </a:solidFill>
+          <a:ln>
+            <a:solidFill>
+              <a:srgbClr val="581E2D"/>
+            </a:solidFill>
+          </a:ln>
         </p:spPr>
         <p:style>
           <a:lnRef idx="2">
@@ -3544,10 +3766,22 @@
           <a:p>
             <a:pPr algn="ctr"/>
             <a:r>
-              <a:rPr lang="nl-BE" sz="1400" dirty="0" smtClean="0"/>
+              <a:rPr lang="nl-BE" sz="1400" dirty="0" smtClean="0">
+                <a:solidFill>
+                  <a:srgbClr val="D8D6D8"/>
+                </a:solidFill>
+                <a:latin typeface="Arial" panose="020B0604020202020204" pitchFamily="34" charset="0"/>
+                <a:cs typeface="Arial" panose="020B0604020202020204" pitchFamily="34" charset="0"/>
+              </a:rPr>
               <a:t>Specifieke transparantie</a:t>
             </a:r>
-            <a:endParaRPr lang="nl-BE" sz="1400" dirty="0"/>
+            <a:endParaRPr lang="nl-BE" sz="1400" dirty="0">
+              <a:solidFill>
+                <a:srgbClr val="D8D6D8"/>
+              </a:solidFill>
+              <a:latin typeface="Arial" panose="020B0604020202020204" pitchFamily="34" charset="0"/>
+              <a:cs typeface="Arial" panose="020B0604020202020204" pitchFamily="34" charset="0"/>
+            </a:endParaRPr>
           </a:p>
         </p:txBody>
       </p:sp>
@@ -3559,12 +3793,20 @@
         </p:nvSpPr>
         <p:spPr>
           <a:xfrm>
-            <a:off x="7740352" y="3771240"/>
-            <a:ext cx="1080120" cy="864096"/>
+            <a:off x="7164448" y="3825464"/>
+            <a:ext cx="1440000" cy="720000"/>
           </a:xfrm>
           <a:prstGeom prst="rect">
             <a:avLst/>
           </a:prstGeom>
+          <a:solidFill>
+            <a:srgbClr val="581E2D"/>
+          </a:solidFill>
+          <a:ln>
+            <a:solidFill>
+              <a:srgbClr val="581E2D"/>
+            </a:solidFill>
+          </a:ln>
         </p:spPr>
         <p:style>
           <a:lnRef idx="2">
@@ -3588,10 +3830,22 @@
           <a:p>
             <a:pPr algn="ctr"/>
             <a:r>
-              <a:rPr lang="nl-BE" sz="1400" dirty="0" smtClean="0"/>
+              <a:rPr lang="nl-BE" sz="1400" dirty="0" smtClean="0">
+                <a:solidFill>
+                  <a:srgbClr val="D8D6D8"/>
+                </a:solidFill>
+                <a:latin typeface="Arial" panose="020B0604020202020204" pitchFamily="34" charset="0"/>
+                <a:cs typeface="Arial" panose="020B0604020202020204" pitchFamily="34" charset="0"/>
+              </a:rPr>
               <a:t>Dienstverlening</a:t>
             </a:r>
-            <a:endParaRPr lang="nl-BE" sz="1400" dirty="0"/>
+            <a:endParaRPr lang="nl-BE" sz="1400" dirty="0">
+              <a:solidFill>
+                <a:srgbClr val="D8D6D8"/>
+              </a:solidFill>
+              <a:latin typeface="Arial" panose="020B0604020202020204" pitchFamily="34" charset="0"/>
+              <a:cs typeface="Arial" panose="020B0604020202020204" pitchFamily="34" charset="0"/>
+            </a:endParaRPr>
           </a:p>
         </p:txBody>
       </p:sp>
@@ -3606,12 +3860,17 @@
         </p:nvCxnSpPr>
         <p:spPr>
           <a:xfrm flipV="1">
-            <a:off x="1403648" y="2283751"/>
-            <a:ext cx="360040" cy="453225"/>
+            <a:off x="1501059" y="1916792"/>
+            <a:ext cx="268454" cy="828072"/>
           </a:xfrm>
           <a:prstGeom prst="line">
             <a:avLst/>
           </a:prstGeom>
+          <a:ln>
+            <a:solidFill>
+              <a:srgbClr val="581E2D"/>
+            </a:solidFill>
+          </a:ln>
         </p:spPr>
         <p:style>
           <a:lnRef idx="1">
@@ -3639,12 +3898,17 @@
         </p:nvCxnSpPr>
         <p:spPr>
           <a:xfrm>
-            <a:off x="2843808" y="2283751"/>
-            <a:ext cx="563216" cy="0"/>
+            <a:off x="2669513" y="1916792"/>
+            <a:ext cx="282567" cy="0"/>
           </a:xfrm>
           <a:prstGeom prst="line">
             <a:avLst/>
           </a:prstGeom>
+          <a:ln>
+            <a:solidFill>
+              <a:srgbClr val="581E2D"/>
+            </a:solidFill>
+          </a:ln>
         </p:spPr>
         <p:style>
           <a:lnRef idx="1">
@@ -3672,12 +3936,17 @@
         </p:nvCxnSpPr>
         <p:spPr>
           <a:xfrm>
-            <a:off x="1403648" y="2736976"/>
-            <a:ext cx="387914" cy="842211"/>
+            <a:off x="1501059" y="2744864"/>
+            <a:ext cx="268454" cy="792528"/>
           </a:xfrm>
           <a:prstGeom prst="line">
             <a:avLst/>
           </a:prstGeom>
+          <a:ln>
+            <a:solidFill>
+              <a:srgbClr val="581E2D"/>
+            </a:solidFill>
+          </a:ln>
         </p:spPr>
         <p:style>
           <a:lnRef idx="1">
@@ -3704,13 +3973,18 @@
           <p:nvPr/>
         </p:nvCxnSpPr>
         <p:spPr>
-          <a:xfrm flipV="1">
-            <a:off x="2871682" y="3555124"/>
-            <a:ext cx="535342" cy="24063"/>
+          <a:xfrm>
+            <a:off x="2669513" y="3537392"/>
+            <a:ext cx="282567" cy="0"/>
           </a:xfrm>
           <a:prstGeom prst="line">
             <a:avLst/>
           </a:prstGeom>
+          <a:ln>
+            <a:solidFill>
+              <a:srgbClr val="581E2D"/>
+            </a:solidFill>
+          </a:ln>
         </p:spPr>
         <p:style>
           <a:lnRef idx="1">
@@ -3738,12 +4012,17 @@
         </p:nvCxnSpPr>
         <p:spPr>
           <a:xfrm flipV="1">
-            <a:off x="4631160" y="2907852"/>
-            <a:ext cx="372888" cy="647272"/>
+            <a:off x="4176216" y="2889240"/>
+            <a:ext cx="288032" cy="648152"/>
           </a:xfrm>
           <a:prstGeom prst="line">
             <a:avLst/>
           </a:prstGeom>
+          <a:ln>
+            <a:solidFill>
+              <a:srgbClr val="581E2D"/>
+            </a:solidFill>
+          </a:ln>
         </p:spPr>
         <p:style>
           <a:lnRef idx="1">
@@ -3771,12 +4050,17 @@
         </p:nvCxnSpPr>
         <p:spPr>
           <a:xfrm>
-            <a:off x="4631160" y="3555124"/>
-            <a:ext cx="400762" cy="648164"/>
+            <a:off x="4176216" y="3537392"/>
+            <a:ext cx="288032" cy="648072"/>
           </a:xfrm>
           <a:prstGeom prst="line">
             <a:avLst/>
           </a:prstGeom>
+          <a:ln>
+            <a:solidFill>
+              <a:srgbClr val="581E2D"/>
+            </a:solidFill>
+          </a:ln>
         </p:spPr>
         <p:style>
           <a:lnRef idx="1">
@@ -3804,12 +4088,17 @@
         </p:nvCxnSpPr>
         <p:spPr>
           <a:xfrm>
-            <a:off x="6084168" y="2907852"/>
-            <a:ext cx="360040" cy="0"/>
+            <a:off x="5364248" y="2889240"/>
+            <a:ext cx="288032" cy="0"/>
           </a:xfrm>
           <a:prstGeom prst="line">
             <a:avLst/>
           </a:prstGeom>
+          <a:ln>
+            <a:solidFill>
+              <a:srgbClr val="581E2D"/>
+            </a:solidFill>
+          </a:ln>
         </p:spPr>
         <p:style>
           <a:lnRef idx="1">
@@ -3837,12 +4126,17 @@
         </p:nvCxnSpPr>
         <p:spPr>
           <a:xfrm>
-            <a:off x="6112042" y="4203288"/>
-            <a:ext cx="359369" cy="0"/>
+            <a:off x="5364248" y="4185464"/>
+            <a:ext cx="288032" cy="0"/>
           </a:xfrm>
           <a:prstGeom prst="line">
             <a:avLst/>
           </a:prstGeom>
+          <a:ln>
+            <a:solidFill>
+              <a:srgbClr val="581E2D"/>
+            </a:solidFill>
+          </a:ln>
         </p:spPr>
         <p:style>
           <a:lnRef idx="1">
@@ -3869,12 +4163,17 @@
         </p:nvCxnSpPr>
         <p:spPr>
           <a:xfrm>
-            <a:off x="7551531" y="4203288"/>
-            <a:ext cx="332837" cy="0"/>
+            <a:off x="6912280" y="4185464"/>
+            <a:ext cx="252168" cy="0"/>
           </a:xfrm>
           <a:prstGeom prst="line">
             <a:avLst/>
           </a:prstGeom>
+          <a:ln>
+            <a:solidFill>
+              <a:srgbClr val="581E2D"/>
+            </a:solidFill>
+          </a:ln>
         </p:spPr>
         <p:style>
           <a:lnRef idx="1">
